--- a/Day 1/slide/Fondamenti Java 1.pptx
+++ b/Day 1/slide/Fondamenti Java 1.pptx
@@ -7835,7 +7835,7 @@
           <a:p>
             <a:fld id="{78ABE3C1-DBE1-495D-B57B-2849774B866A}" type="datetimeFigureOut">
               <a:rPr lang="en-US" dirty="0"/>
-              <a:t>11/23/22</a:t>
+              <a:t>11/29/22</a:t>
             </a:fld>
             <a:endParaRPr lang="en-US" dirty="0"/>
           </a:p>
@@ -8244,7 +8244,7 @@
           <a:p>
             <a:fld id="{446C117F-5CCF-4837-BE5F-2B92066CAFAF}" type="datetimeFigureOut">
               <a:rPr lang="en-US" dirty="0"/>
-              <a:t>11/23/22</a:t>
+              <a:t>11/29/22</a:t>
             </a:fld>
             <a:endParaRPr lang="en-US" dirty="0"/>
           </a:p>
@@ -8575,7 +8575,7 @@
           <a:p>
             <a:fld id="{84EB90BD-B6CE-46B7-997F-7313B992CCDC}" type="datetimeFigureOut">
               <a:rPr lang="en-US" dirty="0"/>
-              <a:t>11/23/22</a:t>
+              <a:t>11/29/22</a:t>
             </a:fld>
             <a:endParaRPr lang="en-US" dirty="0"/>
           </a:p>
@@ -8975,7 +8975,7 @@
           <a:p>
             <a:fld id="{CDB9D11F-B188-461D-B23F-39381795C052}" type="datetimeFigureOut">
               <a:rPr lang="en-US" dirty="0"/>
-              <a:t>11/23/22</a:t>
+              <a:t>11/29/22</a:t>
             </a:fld>
             <a:endParaRPr lang="en-US" dirty="0"/>
           </a:p>
@@ -9538,7 +9538,7 @@
           <a:p>
             <a:fld id="{52E6D8D9-55A2-4063-B0F3-121F44549695}" type="datetimeFigureOut">
               <a:rPr lang="en-US" dirty="0"/>
-              <a:t>11/23/22</a:t>
+              <a:t>11/29/22</a:t>
             </a:fld>
             <a:endParaRPr lang="en-US" dirty="0"/>
           </a:p>
@@ -10214,7 +10214,7 @@
           <a:p>
             <a:fld id="{D4B24536-994D-4021-A283-9F449C0DB509}" type="datetimeFigureOut">
               <a:rPr lang="en-US" dirty="0"/>
-              <a:t>11/23/22</a:t>
+              <a:t>11/29/22</a:t>
             </a:fld>
             <a:endParaRPr lang="en-US" dirty="0"/>
           </a:p>
@@ -11122,7 +11122,7 @@
           <a:p>
             <a:fld id="{3CBBBB78-C96F-47B7-AB17-D852CA960AC9}" type="datetimeFigureOut">
               <a:rPr lang="en-US" dirty="0"/>
-              <a:t>11/23/22</a:t>
+              <a:t>11/29/22</a:t>
             </a:fld>
             <a:endParaRPr lang="en-US" dirty="0"/>
           </a:p>
@@ -11430,7 +11430,7 @@
           <a:p>
             <a:fld id="{1FA3F48C-C7C6-4055-9F49-3777875E72AE}" type="datetimeFigureOut">
               <a:rPr lang="en-US" dirty="0"/>
-              <a:t>11/23/22</a:t>
+              <a:t>11/29/22</a:t>
             </a:fld>
             <a:endParaRPr lang="en-US" dirty="0"/>
           </a:p>
@@ -11689,7 +11689,7 @@
           <a:p>
             <a:fld id="{6178E61D-D431-422C-9764-11DAFE33AB63}" type="datetimeFigureOut">
               <a:rPr lang="en-US" dirty="0"/>
-              <a:t>11/23/22</a:t>
+              <a:t>11/29/22</a:t>
             </a:fld>
             <a:endParaRPr lang="en-US" dirty="0"/>
           </a:p>
@@ -12008,7 +12008,7 @@
           <a:p>
             <a:fld id="{12DE42F4-6EEF-4EF7-8ED4-2208F0F89A08}" type="datetimeFigureOut">
               <a:rPr lang="en-US" dirty="0"/>
-              <a:t>11/23/22</a:t>
+              <a:t>11/29/22</a:t>
             </a:fld>
             <a:endParaRPr lang="en-US" dirty="0"/>
           </a:p>
@@ -12392,7 +12392,7 @@
           <a:p>
             <a:fld id="{30578ACC-22D6-47C1-A373-4FD133E34F3C}" type="datetimeFigureOut">
               <a:rPr lang="en-US" dirty="0"/>
-              <a:t>11/23/22</a:t>
+              <a:t>11/29/22</a:t>
             </a:fld>
             <a:endParaRPr lang="en-US" dirty="0"/>
           </a:p>
@@ -12763,7 +12763,7 @@
           <a:p>
             <a:fld id="{4E5A6C69-6797-4E8A-BF37-F2C3751466E9}" type="datetimeFigureOut">
               <a:rPr lang="en-US" dirty="0"/>
-              <a:t>11/23/22</a:t>
+              <a:t>11/29/22</a:t>
             </a:fld>
             <a:endParaRPr lang="en-US" dirty="0"/>
           </a:p>
@@ -13264,7 +13264,7 @@
           <a:p>
             <a:fld id="{D82014A1-A632-4878-A0D3-F52BA7563730}" type="datetimeFigureOut">
               <a:rPr lang="en-US" dirty="0"/>
-              <a:t>11/23/22</a:t>
+              <a:t>11/29/22</a:t>
             </a:fld>
             <a:endParaRPr lang="en-US" dirty="0"/>
           </a:p>
@@ -13516,7 +13516,7 @@
           <a:p>
             <a:fld id="{CE99F462-093F-4566-844B-4C71F2739DA5}" type="datetimeFigureOut">
               <a:rPr lang="en-US" dirty="0"/>
-              <a:t>11/23/22</a:t>
+              <a:t>11/29/22</a:t>
             </a:fld>
             <a:endParaRPr lang="en-US" dirty="0"/>
           </a:p>
@@ -13674,7 +13674,7 @@
           <a:p>
             <a:fld id="{3D24A7AC-904D-4781-85BA-7D10C17ED021}" type="datetimeFigureOut">
               <a:rPr lang="en-US" dirty="0"/>
-              <a:t>11/23/22</a:t>
+              <a:t>11/29/22</a:t>
             </a:fld>
             <a:endParaRPr lang="en-US" dirty="0"/>
           </a:p>
@@ -14059,7 +14059,7 @@
           <a:p>
             <a:fld id="{E331444B-B92B-4E27-8C94-BB93EAF5CB18}" type="datetimeFigureOut">
               <a:rPr lang="en-US" dirty="0"/>
-              <a:t>11/23/22</a:t>
+              <a:t>11/29/22</a:t>
             </a:fld>
             <a:endParaRPr lang="en-US" dirty="0"/>
           </a:p>
@@ -14463,7 +14463,7 @@
           <a:p>
             <a:fld id="{363EFA5E-FA76-400D-B3DC-F0BA90E6D107}" type="datetimeFigureOut">
               <a:rPr lang="en-US" dirty="0"/>
-              <a:t>11/23/22</a:t>
+              <a:t>11/29/22</a:t>
             </a:fld>
             <a:endParaRPr lang="en-US" dirty="0"/>
           </a:p>
@@ -14702,7 +14702,7 @@
           <a:p>
             <a:fld id="{9D6E9DEC-419B-4CC5-A080-3B06BD5A8291}" type="datetimeFigureOut">
               <a:rPr lang="en-US" dirty="0"/>
-              <a:t>11/23/22</a:t>
+              <a:t>11/29/22</a:t>
             </a:fld>
             <a:endParaRPr lang="en-US" dirty="0"/>
           </a:p>
@@ -24380,10 +24380,16 @@
               <a:t>Contiene un oggetto penna in cui si descriva colore, </a:t>
             </a:r>
             <a:r>
-              <a:rPr lang="it-IT" dirty="0" err="1">
+              <a:rPr lang="it-IT" err="1">
                 <a:latin typeface="Arial" panose="020B0604020202020204" pitchFamily="34" charset="0"/>
               </a:rPr>
-              <a:t>marca,tipo</a:t>
+              <a:t>marca</a:t>
+            </a:r>
+            <a:r>
+              <a:rPr lang="it-IT">
+                <a:latin typeface="Arial" panose="020B0604020202020204" pitchFamily="34" charset="0"/>
+              </a:rPr>
+              <a:t>, tipo</a:t>
             </a:r>
             <a:r>
               <a:rPr lang="it-IT" dirty="0">

--- a/Day 1/slide/Fondamenti Java 1.pptx
+++ b/Day 1/slide/Fondamenti Java 1.pptx
@@ -24377,25 +24377,7 @@
               <a:rPr lang="it-IT" dirty="0">
                 <a:latin typeface="Arial" panose="020B0604020202020204" pitchFamily="34" charset="0"/>
               </a:rPr>
-              <a:t>Contiene un oggetto penna in cui si descriva colore, </a:t>
-            </a:r>
-            <a:r>
-              <a:rPr lang="it-IT" err="1">
-                <a:latin typeface="Arial" panose="020B0604020202020204" pitchFamily="34" charset="0"/>
-              </a:rPr>
-              <a:t>marca</a:t>
-            </a:r>
-            <a:r>
-              <a:rPr lang="it-IT">
-                <a:latin typeface="Arial" panose="020B0604020202020204" pitchFamily="34" charset="0"/>
-              </a:rPr>
-              <a:t>, tipo</a:t>
-            </a:r>
-            <a:r>
-              <a:rPr lang="it-IT" dirty="0">
-                <a:latin typeface="Arial" panose="020B0604020202020204" pitchFamily="34" charset="0"/>
-              </a:rPr>
-              <a:t>;</a:t>
+              <a:t>Contiene un oggetto penna in cui si descriva colore, marca, tipo;</a:t>
             </a:r>
           </a:p>
           <a:p>
